--- a/GAM340/09/2019-20-GAM340-09-lecture.pptx
+++ b/GAM340/09/2019-20-GAM340-09-lecture.pptx
@@ -262,7 +262,7 @@
             <a:fld id="{134C908B-E4CF-4B88-8994-49C91B4DAC10}" type="datetimeFigureOut">
               <a:rPr lang="en-US" smtClean="0"/>
               <a:pPr/>
-              <a:t>11/9/19</a:t>
+              <a:t>11/17/19</a:t>
             </a:fld>
             <a:endParaRPr lang="en-US"/>
           </a:p>
@@ -424,7 +424,7 @@
             <a:fld id="{FCD4ED34-E2A7-4A73-B53B-08CB721EE63F}" type="datetimeFigureOut">
               <a:rPr lang="en-US" smtClean="0"/>
               <a:pPr/>
-              <a:t>11/9/19</a:t>
+              <a:t>11/17/19</a:t>
             </a:fld>
             <a:endParaRPr lang="en-GB"/>
           </a:p>
@@ -3124,7 +3124,7 @@
             <a:fld id="{24C0EDFE-3590-4448-BF7B-7FB41E82085F}" type="datetimeFigureOut">
               <a:rPr lang="en-US" smtClean="0"/>
               <a:pPr/>
-              <a:t>11/9/19</a:t>
+              <a:t>11/17/19</a:t>
             </a:fld>
             <a:endParaRPr lang="en-US" dirty="0"/>
           </a:p>
@@ -3313,7 +3313,7 @@
             <a:fld id="{24C0EDFE-3590-4448-BF7B-7FB41E82085F}" type="datetimeFigureOut">
               <a:rPr lang="en-US" smtClean="0"/>
               <a:pPr/>
-              <a:t>11/9/19</a:t>
+              <a:t>11/17/19</a:t>
             </a:fld>
             <a:endParaRPr lang="en-US" dirty="0"/>
           </a:p>
@@ -3491,7 +3491,7 @@
             <a:fld id="{24C0EDFE-3590-4448-BF7B-7FB41E82085F}" type="datetimeFigureOut">
               <a:rPr lang="en-US" smtClean="0"/>
               <a:pPr/>
-              <a:t>11/9/19</a:t>
+              <a:t>11/17/19</a:t>
             </a:fld>
             <a:endParaRPr lang="en-US" dirty="0"/>
           </a:p>
@@ -3740,7 +3740,7 @@
             <a:fld id="{24C0EDFE-3590-4448-BF7B-7FB41E82085F}" type="datetimeFigureOut">
               <a:rPr lang="en-US" smtClean="0"/>
               <a:pPr/>
-              <a:t>11/9/19</a:t>
+              <a:t>11/17/19</a:t>
             </a:fld>
             <a:endParaRPr lang="en-US" dirty="0"/>
           </a:p>
@@ -4062,7 +4062,7 @@
             <a:fld id="{24C0EDFE-3590-4448-BF7B-7FB41E82085F}" type="datetimeFigureOut">
               <a:rPr lang="en-US" smtClean="0"/>
               <a:pPr/>
-              <a:t>11/9/19</a:t>
+              <a:t>11/17/19</a:t>
             </a:fld>
             <a:endParaRPr lang="en-US" dirty="0"/>
           </a:p>
@@ -4368,7 +4368,7 @@
             <a:fld id="{24C0EDFE-3590-4448-BF7B-7FB41E82085F}" type="datetimeFigureOut">
               <a:rPr lang="en-US" smtClean="0"/>
               <a:pPr/>
-              <a:t>11/9/19</a:t>
+              <a:t>11/17/19</a:t>
             </a:fld>
             <a:endParaRPr lang="en-US" dirty="0"/>
           </a:p>
@@ -4792,7 +4792,7 @@
             <a:fld id="{24C0EDFE-3590-4448-BF7B-7FB41E82085F}" type="datetimeFigureOut">
               <a:rPr lang="en-US" smtClean="0"/>
               <a:pPr/>
-              <a:t>11/9/19</a:t>
+              <a:t>11/17/19</a:t>
             </a:fld>
             <a:endParaRPr lang="en-US" dirty="0"/>
           </a:p>
@@ -4914,7 +4914,7 @@
             <a:fld id="{24C0EDFE-3590-4448-BF7B-7FB41E82085F}" type="datetimeFigureOut">
               <a:rPr lang="en-US" smtClean="0"/>
               <a:pPr/>
-              <a:t>11/9/19</a:t>
+              <a:t>11/17/19</a:t>
             </a:fld>
             <a:endParaRPr lang="en-US" dirty="0"/>
           </a:p>
@@ -5006,7 +5006,7 @@
             <a:fld id="{24C0EDFE-3590-4448-BF7B-7FB41E82085F}" type="datetimeFigureOut">
               <a:rPr lang="en-US" smtClean="0"/>
               <a:pPr/>
-              <a:t>11/9/19</a:t>
+              <a:t>11/17/19</a:t>
             </a:fld>
             <a:endParaRPr lang="en-US" dirty="0"/>
           </a:p>
@@ -5281,7 +5281,7 @@
             <a:fld id="{24C0EDFE-3590-4448-BF7B-7FB41E82085F}" type="datetimeFigureOut">
               <a:rPr lang="en-US" smtClean="0"/>
               <a:pPr/>
-              <a:t>11/9/19</a:t>
+              <a:t>11/17/19</a:t>
             </a:fld>
             <a:endParaRPr lang="en-US" dirty="0"/>
           </a:p>
@@ -5533,7 +5533,7 @@
             <a:fld id="{24C0EDFE-3590-4448-BF7B-7FB41E82085F}" type="datetimeFigureOut">
               <a:rPr lang="en-US" smtClean="0"/>
               <a:pPr/>
-              <a:t>11/9/19</a:t>
+              <a:t>11/17/19</a:t>
             </a:fld>
             <a:endParaRPr lang="en-US" dirty="0"/>
           </a:p>
@@ -5710,7 +5710,7 @@
             <a:fld id="{24C0EDFE-3590-4448-BF7B-7FB41E82085F}" type="datetimeFigureOut">
               <a:rPr lang="en-US" smtClean="0"/>
               <a:pPr/>
-              <a:t>11/9/19</a:t>
+              <a:t>11/17/19</a:t>
             </a:fld>
             <a:endParaRPr lang="en-US" dirty="0"/>
           </a:p>
@@ -9124,7 +9124,7 @@
           <a:p>
             <a:r>
               <a:rPr lang="en-GB" dirty="0"/>
-              <a:t>Questions?</a:t>
+              <a:t>Do you have any questions for me?</a:t>
             </a:r>
           </a:p>
           <a:p>
